--- a/ППИ-Проект-Презентация.pptx
+++ b/ППИ-Проект-Презентация.pptx
@@ -2419,7 +2419,7 @@
             <a:rPr lang="bg-BG" sz="1800">
               <a:latin typeface="+mn-lt"/>
             </a:rPr>
-            <a:t>Още със стартирането, зареждаме файлът със запазените задачи</a:t>
+            <a:t>Още със стартирането, зареждаме файла със запазените задачи</a:t>
           </a:r>
           <a:endParaRPr lang="en-GB" sz="1800">
             <a:latin typeface="+mn-lt"/>
@@ -2939,7 +2939,7 @@
             <a:rPr lang="bg-BG" sz="1800" kern="1200">
               <a:latin typeface="+mn-lt"/>
             </a:rPr>
-            <a:t>Още със стартирането, зареждаме файлът със запазените задачи</a:t>
+            <a:t>Още със стартирането, зареждаме файла със запазените задачи</a:t>
           </a:r>
           <a:endParaRPr lang="en-GB" sz="1800" kern="1200">
             <a:latin typeface="+mn-lt"/>
@@ -21560,7 +21560,7 @@
             <p:ph idx="1"/>
             <p:extLst>
               <p:ext uri="{D42A27DB-BD31-4B8C-83A1-F6EECF244321}">
-                <p14:modId xmlns:p14="http://schemas.microsoft.com/office/powerpoint/2010/main" val="429682461"/>
+                <p14:modId xmlns:p14="http://schemas.microsoft.com/office/powerpoint/2010/main" val="2209134141"/>
               </p:ext>
             </p:extLst>
           </p:nvPr>
